--- a/01_materials/concept_maps.pptx
+++ b/01_materials/concept_maps.pptx
@@ -214,7 +214,7 @@
           <a:p>
             <a:fld id="{41912CFE-39C3-3841-80B0-3833E9CA6886}" type="datetimeFigureOut">
               <a:rPr lang="en-US" smtClean="0"/>
-              <a:t>8/12/25</a:t>
+              <a:t>9/25/25</a:t>
             </a:fld>
             <a:endParaRPr lang="en-US"/>
           </a:p>
@@ -1144,7 +1144,7 @@
           <a:p>
             <a:fld id="{D9BE180D-28B5-1A4F-ACAA-8F609A1A9666}" type="datetimeFigureOut">
               <a:rPr lang="en-US" smtClean="0"/>
-              <a:t>8/12/25</a:t>
+              <a:t>9/25/25</a:t>
             </a:fld>
             <a:endParaRPr lang="en-US"/>
           </a:p>
@@ -1342,7 +1342,7 @@
           <a:p>
             <a:fld id="{D9BE180D-28B5-1A4F-ACAA-8F609A1A9666}" type="datetimeFigureOut">
               <a:rPr lang="en-US" smtClean="0"/>
-              <a:t>8/12/25</a:t>
+              <a:t>9/25/25</a:t>
             </a:fld>
             <a:endParaRPr lang="en-US"/>
           </a:p>
@@ -1550,7 +1550,7 @@
           <a:p>
             <a:fld id="{D9BE180D-28B5-1A4F-ACAA-8F609A1A9666}" type="datetimeFigureOut">
               <a:rPr lang="en-US" smtClean="0"/>
-              <a:t>8/12/25</a:t>
+              <a:t>9/25/25</a:t>
             </a:fld>
             <a:endParaRPr lang="en-US"/>
           </a:p>
@@ -1748,7 +1748,7 @@
           <a:p>
             <a:fld id="{D9BE180D-28B5-1A4F-ACAA-8F609A1A9666}" type="datetimeFigureOut">
               <a:rPr lang="en-US" smtClean="0"/>
-              <a:t>8/12/25</a:t>
+              <a:t>9/25/25</a:t>
             </a:fld>
             <a:endParaRPr lang="en-US"/>
           </a:p>
@@ -2023,7 +2023,7 @@
           <a:p>
             <a:fld id="{D9BE180D-28B5-1A4F-ACAA-8F609A1A9666}" type="datetimeFigureOut">
               <a:rPr lang="en-US" smtClean="0"/>
-              <a:t>8/12/25</a:t>
+              <a:t>9/25/25</a:t>
             </a:fld>
             <a:endParaRPr lang="en-US"/>
           </a:p>
@@ -2288,7 +2288,7 @@
           <a:p>
             <a:fld id="{D9BE180D-28B5-1A4F-ACAA-8F609A1A9666}" type="datetimeFigureOut">
               <a:rPr lang="en-US" smtClean="0"/>
-              <a:t>8/12/25</a:t>
+              <a:t>9/25/25</a:t>
             </a:fld>
             <a:endParaRPr lang="en-US"/>
           </a:p>
@@ -2700,7 +2700,7 @@
           <a:p>
             <a:fld id="{D9BE180D-28B5-1A4F-ACAA-8F609A1A9666}" type="datetimeFigureOut">
               <a:rPr lang="en-US" smtClean="0"/>
-              <a:t>8/12/25</a:t>
+              <a:t>9/25/25</a:t>
             </a:fld>
             <a:endParaRPr lang="en-US"/>
           </a:p>
@@ -2841,7 +2841,7 @@
           <a:p>
             <a:fld id="{D9BE180D-28B5-1A4F-ACAA-8F609A1A9666}" type="datetimeFigureOut">
               <a:rPr lang="en-US" smtClean="0"/>
-              <a:t>8/12/25</a:t>
+              <a:t>9/25/25</a:t>
             </a:fld>
             <a:endParaRPr lang="en-US"/>
           </a:p>
@@ -2954,7 +2954,7 @@
           <a:p>
             <a:fld id="{D9BE180D-28B5-1A4F-ACAA-8F609A1A9666}" type="datetimeFigureOut">
               <a:rPr lang="en-US" smtClean="0"/>
-              <a:t>8/12/25</a:t>
+              <a:t>9/25/25</a:t>
             </a:fld>
             <a:endParaRPr lang="en-US"/>
           </a:p>
@@ -3281,7 +3281,7 @@
           <a:p>
             <a:fld id="{D9BE180D-28B5-1A4F-ACAA-8F609A1A9666}" type="datetimeFigureOut">
               <a:rPr lang="en-US" smtClean="0"/>
-              <a:t>8/12/25</a:t>
+              <a:t>9/25/25</a:t>
             </a:fld>
             <a:endParaRPr lang="en-US"/>
           </a:p>
@@ -3569,7 +3569,7 @@
           <a:p>
             <a:fld id="{D9BE180D-28B5-1A4F-ACAA-8F609A1A9666}" type="datetimeFigureOut">
               <a:rPr lang="en-US" smtClean="0"/>
-              <a:t>8/12/25</a:t>
+              <a:t>9/25/25</a:t>
             </a:fld>
             <a:endParaRPr lang="en-US"/>
           </a:p>
@@ -3810,7 +3810,7 @@
           <a:p>
             <a:fld id="{D9BE180D-28B5-1A4F-ACAA-8F609A1A9666}" type="datetimeFigureOut">
               <a:rPr lang="en-US" smtClean="0"/>
-              <a:t>8/12/25</a:t>
+              <a:t>9/25/25</a:t>
             </a:fld>
             <a:endParaRPr lang="en-US"/>
           </a:p>
@@ -11189,7 +11189,7 @@
         <p:spPr>
           <a:xfrm>
             <a:off x="8992081" y="2103022"/>
-            <a:ext cx="1187250" cy="930008"/>
+            <a:ext cx="1221692" cy="930008"/>
           </a:xfrm>
           <a:prstGeom prst="straightConnector1">
             <a:avLst/>
@@ -11390,8 +11390,8 @@
         </p:nvSpPr>
         <p:spPr>
           <a:xfrm>
-            <a:off x="9887304" y="3033030"/>
-            <a:ext cx="584054" cy="461665"/>
+            <a:off x="9887303" y="3033030"/>
+            <a:ext cx="652939" cy="461665"/>
           </a:xfrm>
           <a:prstGeom prst="rect">
             <a:avLst/>
@@ -11411,9 +11411,10 @@
           <a:p>
             <a:pPr algn="ctr"/>
             <a:r>
-              <a:rPr lang="en-US" sz="2400" dirty="0"/>
-              <a:t>set</a:t>
-            </a:r>
+              <a:rPr lang="en-US" sz="2400" dirty="0" err="1"/>
+              <a:t>dict</a:t>
+            </a:r>
+            <a:endParaRPr lang="en-US" sz="2400" dirty="0"/>
           </a:p>
         </p:txBody>
       </p:sp>
@@ -11452,10 +11453,9 @@
           <a:p>
             <a:pPr algn="ctr"/>
             <a:r>
-              <a:rPr lang="en-US" sz="2400" dirty="0" err="1"/>
-              <a:t>dict</a:t>
-            </a:r>
-            <a:endParaRPr lang="en-US" sz="2400" dirty="0"/>
+              <a:rPr lang="en-US" sz="2400" dirty="0"/>
+              <a:t>set</a:t>
+            </a:r>
           </a:p>
         </p:txBody>
       </p:sp>
@@ -11682,7 +11682,7 @@
         </p:nvSpPr>
         <p:spPr>
           <a:xfrm>
-            <a:off x="10010826" y="4610338"/>
+            <a:off x="10540242" y="4610338"/>
             <a:ext cx="1596818" cy="461665"/>
           </a:xfrm>
           <a:prstGeom prst="rect">
@@ -11850,14 +11850,13 @@
           <p:cNvCxnSpPr>
             <a:cxnSpLocks/>
             <a:stCxn id="52" idx="2"/>
-            <a:endCxn id="107" idx="0"/>
           </p:cNvCxnSpPr>
           <p:nvPr/>
         </p:nvCxnSpPr>
         <p:spPr>
-          <a:xfrm>
-            <a:off x="10179331" y="3494695"/>
-            <a:ext cx="629904" cy="1115643"/>
+          <a:xfrm flipH="1">
+            <a:off x="7538654" y="3494695"/>
+            <a:ext cx="2675119" cy="1115643"/>
           </a:xfrm>
           <a:prstGeom prst="straightConnector1">
             <a:avLst/>
@@ -11899,8 +11898,8 @@
         </p:nvCxnSpPr>
         <p:spPr>
           <a:xfrm flipH="1">
-            <a:off x="10809235" y="3494695"/>
-            <a:ext cx="532607" cy="1115643"/>
+            <a:off x="11338651" y="3494695"/>
+            <a:ext cx="3191" cy="1115643"/>
           </a:xfrm>
           <a:prstGeom prst="straightConnector1">
             <a:avLst/>
